--- a/2ANSETAT.pptx
+++ b/2ANSETAT.pptx
@@ -216,7 +216,7 @@
           <a:p>
             <a:fld id="{6A4A2050-623C-4E71-A1DF-534AA49173E2}" type="datetimeFigureOut">
               <a:rPr lang="en-US" smtClean="0"/>
-              <a:t>10/12/2025</a:t>
+              <a:t>11/25/2025</a:t>
             </a:fld>
             <a:endParaRPr lang="en-US"/>
           </a:p>
@@ -382,7 +382,7 @@
           <a:p>
             <a:fld id="{B8ABE28C-12E3-46B5-BAA0-2B2A1F6FCB59}" type="datetimeFigureOut">
               <a:rPr lang="en-US" smtClean="0"/>
-              <a:t>10/12/2025</a:t>
+              <a:t>11/25/2025</a:t>
             </a:fld>
             <a:endParaRPr lang="en-US"/>
           </a:p>
@@ -9122,6 +9122,53 @@
           </a:p>
         </p:txBody>
       </p:sp>
+      <p:sp>
+        <p:nvSpPr>
+          <p:cNvPr id="4" name="ZoneTexte 3">
+            <a:extLst>
+              <a:ext uri="{FF2B5EF4-FFF2-40B4-BE49-F238E27FC236}">
+                <a16:creationId xmlns:a16="http://schemas.microsoft.com/office/drawing/2014/main" id="{8A300748-AD65-8039-CFAA-FD690403BC30}"/>
+              </a:ext>
+            </a:extLst>
+          </p:cNvPr>
+          <p:cNvSpPr txBox="1"/>
+          <p:nvPr/>
+        </p:nvSpPr>
+        <p:spPr>
+          <a:xfrm>
+            <a:off x="190825" y="2314107"/>
+            <a:ext cx="3890327" cy="464871"/>
+          </a:xfrm>
+          <a:prstGeom prst="rect">
+            <a:avLst/>
+          </a:prstGeom>
+          <a:noFill/>
+        </p:spPr>
+        <p:txBody>
+          <a:bodyPr wrap="square" rtlCol="0">
+            <a:spAutoFit/>
+          </a:bodyPr>
+          <a:lstStyle/>
+          <a:p>
+            <a:pPr marL="285750" lvl="0" indent="-285750" algn="ctr">
+              <a:lnSpc>
+                <a:spcPct val="150000"/>
+              </a:lnSpc>
+              <a:buFont typeface="Arial" panose="020B0604020202020204" pitchFamily="34" charset="0"/>
+              <a:buChar char="•"/>
+              <a:defRPr/>
+            </a:pPr>
+            <a:r>
+              <a:rPr lang="fr-FR" dirty="0">
+                <a:solidFill>
+                  <a:srgbClr val="FF0000"/>
+                </a:solidFill>
+              </a:rPr>
+              <a:t>Modification ajouté </a:t>
+            </a:r>
+          </a:p>
+        </p:txBody>
+      </p:sp>
     </p:spTree>
     <p:extLst>
       <p:ext uri="{BB962C8B-B14F-4D97-AF65-F5344CB8AC3E}">
